--- a/Presentation1.pptx
+++ b/Presentation1.pptx
@@ -6,6 +6,10 @@
   </p:sldMasterIdLst>
   <p:sldIdLst>
     <p:sldId id="256" r:id="rId2"/>
+    <p:sldId id="257" r:id="rId3"/>
+    <p:sldId id="259" r:id="rId4"/>
+    <p:sldId id="258" r:id="rId5"/>
+    <p:sldId id="260" r:id="rId6"/>
   </p:sldIdLst>
   <p:sldSz cx="12192000" cy="6858000"/>
   <p:notesSz cx="6858000" cy="9144000"/>
@@ -104,6 +108,11 @@
       </a:defRPr>
     </a:lvl9pPr>
   </p:defaultTextStyle>
+  <p:extLst>
+    <p:ext uri="{EFAFB233-063F-42B5-8137-9DF3F51BA10A}">
+      <p15:sldGuideLst xmlns:p15="http://schemas.microsoft.com/office/powerpoint/2012/main"/>
+    </p:ext>
+  </p:extLst>
 </p:presentation>
 </file>
 
@@ -238,7 +247,7 @@
           <a:p>
             <a:fld id="{AFA64D9E-78D9-4BC2-BA89-A74EF8F6D36E}" type="datetimeFigureOut">
               <a:rPr lang="en-US" smtClean="0"/>
-              <a:t>4/19/2016</a:t>
+              <a:t>4/20/2016</a:t>
             </a:fld>
             <a:endParaRPr lang="en-US"/>
           </a:p>
@@ -408,7 +417,7 @@
           <a:p>
             <a:fld id="{AFA64D9E-78D9-4BC2-BA89-A74EF8F6D36E}" type="datetimeFigureOut">
               <a:rPr lang="en-US" smtClean="0"/>
-              <a:t>4/19/2016</a:t>
+              <a:t>4/20/2016</a:t>
             </a:fld>
             <a:endParaRPr lang="en-US"/>
           </a:p>
@@ -588,7 +597,7 @@
           <a:p>
             <a:fld id="{AFA64D9E-78D9-4BC2-BA89-A74EF8F6D36E}" type="datetimeFigureOut">
               <a:rPr lang="en-US" smtClean="0"/>
-              <a:t>4/19/2016</a:t>
+              <a:t>4/20/2016</a:t>
             </a:fld>
             <a:endParaRPr lang="en-US"/>
           </a:p>
@@ -758,7 +767,7 @@
           <a:p>
             <a:fld id="{AFA64D9E-78D9-4BC2-BA89-A74EF8F6D36E}" type="datetimeFigureOut">
               <a:rPr lang="en-US" smtClean="0"/>
-              <a:t>4/19/2016</a:t>
+              <a:t>4/20/2016</a:t>
             </a:fld>
             <a:endParaRPr lang="en-US"/>
           </a:p>
@@ -1004,7 +1013,7 @@
           <a:p>
             <a:fld id="{AFA64D9E-78D9-4BC2-BA89-A74EF8F6D36E}" type="datetimeFigureOut">
               <a:rPr lang="en-US" smtClean="0"/>
-              <a:t>4/19/2016</a:t>
+              <a:t>4/20/2016</a:t>
             </a:fld>
             <a:endParaRPr lang="en-US"/>
           </a:p>
@@ -1236,7 +1245,7 @@
           <a:p>
             <a:fld id="{AFA64D9E-78D9-4BC2-BA89-A74EF8F6D36E}" type="datetimeFigureOut">
               <a:rPr lang="en-US" smtClean="0"/>
-              <a:t>4/19/2016</a:t>
+              <a:t>4/20/2016</a:t>
             </a:fld>
             <a:endParaRPr lang="en-US"/>
           </a:p>
@@ -1603,7 +1612,7 @@
           <a:p>
             <a:fld id="{AFA64D9E-78D9-4BC2-BA89-A74EF8F6D36E}" type="datetimeFigureOut">
               <a:rPr lang="en-US" smtClean="0"/>
-              <a:t>4/19/2016</a:t>
+              <a:t>4/20/2016</a:t>
             </a:fld>
             <a:endParaRPr lang="en-US"/>
           </a:p>
@@ -1721,7 +1730,7 @@
           <a:p>
             <a:fld id="{AFA64D9E-78D9-4BC2-BA89-A74EF8F6D36E}" type="datetimeFigureOut">
               <a:rPr lang="en-US" smtClean="0"/>
-              <a:t>4/19/2016</a:t>
+              <a:t>4/20/2016</a:t>
             </a:fld>
             <a:endParaRPr lang="en-US"/>
           </a:p>
@@ -1816,7 +1825,7 @@
           <a:p>
             <a:fld id="{AFA64D9E-78D9-4BC2-BA89-A74EF8F6D36E}" type="datetimeFigureOut">
               <a:rPr lang="en-US" smtClean="0"/>
-              <a:t>4/19/2016</a:t>
+              <a:t>4/20/2016</a:t>
             </a:fld>
             <a:endParaRPr lang="en-US"/>
           </a:p>
@@ -2093,7 +2102,7 @@
           <a:p>
             <a:fld id="{AFA64D9E-78D9-4BC2-BA89-A74EF8F6D36E}" type="datetimeFigureOut">
               <a:rPr lang="en-US" smtClean="0"/>
-              <a:t>4/19/2016</a:t>
+              <a:t>4/20/2016</a:t>
             </a:fld>
             <a:endParaRPr lang="en-US"/>
           </a:p>
@@ -2346,7 +2355,7 @@
           <a:p>
             <a:fld id="{AFA64D9E-78D9-4BC2-BA89-A74EF8F6D36E}" type="datetimeFigureOut">
               <a:rPr lang="en-US" smtClean="0"/>
-              <a:t>4/19/2016</a:t>
+              <a:t>4/20/2016</a:t>
             </a:fld>
             <a:endParaRPr lang="en-US"/>
           </a:p>
@@ -2559,7 +2568,7 @@
           <a:p>
             <a:fld id="{AFA64D9E-78D9-4BC2-BA89-A74EF8F6D36E}" type="datetimeFigureOut">
               <a:rPr lang="en-US" smtClean="0"/>
-              <a:t>4/19/2016</a:t>
+              <a:t>4/20/2016</a:t>
             </a:fld>
             <a:endParaRPr lang="en-US"/>
           </a:p>
@@ -2974,12 +2983,17 @@
             <p:ph type="ctrTitle"/>
           </p:nvPr>
         </p:nvSpPr>
-        <p:spPr/>
-        <p:txBody>
-          <a:bodyPr/>
-          <a:lstStyle/>
-          <a:p>
-            <a:endParaRPr lang="en-US"/>
+        <p:spPr>
+          <a:xfrm>
+            <a:off x="1524000" y="1122363"/>
+            <a:ext cx="4142704" cy="2387600"/>
+          </a:xfrm>
+        </p:spPr>
+        <p:txBody>
+          <a:bodyPr/>
+          <a:lstStyle/>
+          <a:p>
+            <a:endParaRPr lang="en-US" dirty="0"/>
           </a:p>
         </p:txBody>
       </p:sp>
@@ -2993,9 +3007,16 @@
             <p:ph type="subTitle" idx="1"/>
           </p:nvPr>
         </p:nvSpPr>
-        <p:spPr/>
-        <p:txBody>
-          <a:bodyPr/>
+        <p:spPr>
+          <a:xfrm>
+            <a:off x="1524000" y="3602038"/>
+            <a:ext cx="9144000" cy="2570162"/>
+          </a:xfrm>
+        </p:spPr>
+        <p:txBody>
+          <a:bodyPr>
+            <a:normAutofit/>
+          </a:bodyPr>
           <a:lstStyle/>
           <a:p>
             <a:r>
@@ -3004,14 +3025,404 @@
             </a:r>
           </a:p>
           <a:p>
+            <a:r>
+              <a:rPr lang="ru-RU" dirty="0" err="1"/>
+              <a:t>PostCSS</a:t>
+            </a:r>
+            <a:r>
+              <a:rPr lang="ru-RU" dirty="0"/>
+              <a:t> — </a:t>
+            </a:r>
+            <a:r>
+              <a:rPr lang="ru-RU" dirty="0" err="1"/>
+              <a:t>парсер</a:t>
+            </a:r>
+            <a:r>
+              <a:rPr lang="ru-RU" dirty="0"/>
+              <a:t>, и работает с текстом похожим на CSS</a:t>
+            </a:r>
+            <a:r>
+              <a:rPr lang="ru-RU" dirty="0" smtClean="0"/>
+              <a:t>.</a:t>
+            </a:r>
+            <a:endParaRPr lang="en-US" dirty="0" smtClean="0"/>
+          </a:p>
+          <a:p>
+            <a:r>
+              <a:rPr lang="en-US" dirty="0" err="1"/>
+              <a:t>PostCSS</a:t>
+            </a:r>
+            <a:r>
+              <a:rPr lang="en-US" dirty="0"/>
+              <a:t> is a powerful CSS Processing tool which can enhance any front-end developers workflow.</a:t>
+            </a:r>
+            <a:r>
+              <a:rPr lang="ru-RU" dirty="0"/>
+              <a:t> </a:t>
+            </a:r>
+            <a:endParaRPr lang="en-US" dirty="0" smtClean="0"/>
+          </a:p>
+          <a:p>
+            <a:r>
+              <a:rPr lang="en-US" dirty="0" err="1"/>
+              <a:t>PostCSS</a:t>
+            </a:r>
+            <a:r>
+              <a:rPr lang="en-US" dirty="0"/>
+              <a:t> is a tool for transforming CSS with JS plugins.</a:t>
+            </a:r>
+            <a:endParaRPr lang="en-US" dirty="0" smtClean="0"/>
+          </a:p>
+          <a:p>
             <a:endParaRPr lang="en-US" dirty="0"/>
           </a:p>
         </p:txBody>
       </p:sp>
+      <p:pic>
+        <p:nvPicPr>
+          <p:cNvPr id="5" name="Picture 4"/>
+          <p:cNvPicPr>
+            <a:picLocks noChangeAspect="1"/>
+          </p:cNvPicPr>
+          <p:nvPr/>
+        </p:nvPicPr>
+        <p:blipFill>
+          <a:blip r:embed="rId2"/>
+          <a:stretch>
+            <a:fillRect/>
+          </a:stretch>
+        </p:blipFill>
+        <p:spPr>
+          <a:xfrm>
+            <a:off x="6581173" y="552450"/>
+            <a:ext cx="2964056" cy="2957513"/>
+          </a:xfrm>
+          <a:prstGeom prst="rect">
+            <a:avLst/>
+          </a:prstGeom>
+        </p:spPr>
+      </p:pic>
     </p:spTree>
     <p:extLst>
       <p:ext uri="{BB962C8B-B14F-4D97-AF65-F5344CB8AC3E}">
         <p14:creationId xmlns:p14="http://schemas.microsoft.com/office/powerpoint/2010/main" val="3325439749"/>
+      </p:ext>
+    </p:extLst>
+  </p:cSld>
+  <p:clrMapOvr>
+    <a:masterClrMapping/>
+  </p:clrMapOvr>
+</p:sld>
+</file>
+
+<file path=ppt/slides/slide2.xml><?xml version="1.0" encoding="utf-8"?>
+<p:sld xmlns:a="http://schemas.openxmlformats.org/drawingml/2006/main" xmlns:r="http://schemas.openxmlformats.org/officeDocument/2006/relationships" xmlns:p="http://schemas.openxmlformats.org/presentationml/2006/main">
+  <p:cSld>
+    <p:spTree>
+      <p:nvGrpSpPr>
+        <p:cNvPr id="1" name=""/>
+        <p:cNvGrpSpPr/>
+        <p:nvPr/>
+      </p:nvGrpSpPr>
+      <p:grpSpPr>
+        <a:xfrm>
+          <a:off x="0" y="0"/>
+          <a:ext cx="0" cy="0"/>
+          <a:chOff x="0" y="0"/>
+          <a:chExt cx="0" cy="0"/>
+        </a:xfrm>
+      </p:grpSpPr>
+      <p:pic>
+        <p:nvPicPr>
+          <p:cNvPr id="1026" name="Picture 2" descr="http://vasily.polovnyov.ru/assets/50-shades-of-postcss.jpg"/>
+          <p:cNvPicPr>
+            <a:picLocks noChangeAspect="1" noChangeArrowheads="1"/>
+          </p:cNvPicPr>
+          <p:nvPr/>
+        </p:nvPicPr>
+        <p:blipFill>
+          <a:blip r:embed="rId2">
+            <a:extLst>
+              <a:ext uri="{28A0092B-C50C-407E-A947-70E740481C1C}">
+                <a14:useLocalDpi xmlns:a14="http://schemas.microsoft.com/office/drawing/2010/main" val="0"/>
+              </a:ext>
+            </a:extLst>
+          </a:blip>
+          <a:srcRect/>
+          <a:stretch>
+            <a:fillRect/>
+          </a:stretch>
+        </p:blipFill>
+        <p:spPr bwMode="auto">
+          <a:xfrm>
+            <a:off x="2126042" y="897229"/>
+            <a:ext cx="5705475" cy="3181350"/>
+          </a:xfrm>
+          <a:prstGeom prst="rect">
+            <a:avLst/>
+          </a:prstGeom>
+          <a:noFill/>
+          <a:extLst>
+            <a:ext uri="{909E8E84-426E-40DD-AFC4-6F175D3DCCD1}">
+              <a14:hiddenFill xmlns:a14="http://schemas.microsoft.com/office/drawing/2010/main">
+                <a:solidFill>
+                  <a:srgbClr val="FFFFFF"/>
+                </a:solidFill>
+              </a14:hiddenFill>
+            </a:ext>
+          </a:extLst>
+        </p:spPr>
+      </p:pic>
+    </p:spTree>
+    <p:extLst>
+      <p:ext uri="{BB962C8B-B14F-4D97-AF65-F5344CB8AC3E}">
+        <p14:creationId xmlns:p14="http://schemas.microsoft.com/office/powerpoint/2010/main" val="3554257237"/>
+      </p:ext>
+    </p:extLst>
+  </p:cSld>
+  <p:clrMapOvr>
+    <a:masterClrMapping/>
+  </p:clrMapOvr>
+</p:sld>
+</file>
+
+<file path=ppt/slides/slide3.xml><?xml version="1.0" encoding="utf-8"?>
+<p:sld xmlns:a="http://schemas.openxmlformats.org/drawingml/2006/main" xmlns:r="http://schemas.openxmlformats.org/officeDocument/2006/relationships" xmlns:p="http://schemas.openxmlformats.org/presentationml/2006/main">
+  <p:cSld>
+    <p:spTree>
+      <p:nvGrpSpPr>
+        <p:cNvPr id="1" name=""/>
+        <p:cNvGrpSpPr/>
+        <p:nvPr/>
+      </p:nvGrpSpPr>
+      <p:grpSpPr>
+        <a:xfrm>
+          <a:off x="0" y="0"/>
+          <a:ext cx="0" cy="0"/>
+          <a:chOff x="0" y="0"/>
+          <a:chExt cx="0" cy="0"/>
+        </a:xfrm>
+      </p:grpSpPr>
+    </p:spTree>
+    <p:extLst>
+      <p:ext uri="{BB962C8B-B14F-4D97-AF65-F5344CB8AC3E}">
+        <p14:creationId xmlns:p14="http://schemas.microsoft.com/office/powerpoint/2010/main" val="859432790"/>
+      </p:ext>
+    </p:extLst>
+  </p:cSld>
+  <p:clrMapOvr>
+    <a:masterClrMapping/>
+  </p:clrMapOvr>
+</p:sld>
+</file>
+
+<file path=ppt/slides/slide4.xml><?xml version="1.0" encoding="utf-8"?>
+<p:sld xmlns:a="http://schemas.openxmlformats.org/drawingml/2006/main" xmlns:r="http://schemas.openxmlformats.org/officeDocument/2006/relationships" xmlns:p="http://schemas.openxmlformats.org/presentationml/2006/main">
+  <p:cSld>
+    <p:spTree>
+      <p:nvGrpSpPr>
+        <p:cNvPr id="1" name=""/>
+        <p:cNvGrpSpPr/>
+        <p:nvPr/>
+      </p:nvGrpSpPr>
+      <p:grpSpPr>
+        <a:xfrm>
+          <a:off x="0" y="0"/>
+          <a:ext cx="0" cy="0"/>
+          <a:chOff x="0" y="0"/>
+          <a:chExt cx="0" cy="0"/>
+        </a:xfrm>
+      </p:grpSpPr>
+      <p:sp>
+        <p:nvSpPr>
+          <p:cNvPr id="2" name="TextBox 1"/>
+          <p:cNvSpPr txBox="1"/>
+          <p:nvPr/>
+        </p:nvSpPr>
+        <p:spPr>
+          <a:xfrm>
+            <a:off x="838200" y="1581150"/>
+            <a:ext cx="10020300" cy="2308324"/>
+          </a:xfrm>
+          <a:prstGeom prst="rect">
+            <a:avLst/>
+          </a:prstGeom>
+          <a:noFill/>
+        </p:spPr>
+        <p:txBody>
+          <a:bodyPr wrap="square" rtlCol="0">
+            <a:spAutoFit/>
+          </a:bodyPr>
+          <a:lstStyle/>
+          <a:p>
+            <a:r>
+              <a:rPr lang="en-US" dirty="0" smtClean="0"/>
+              <a:t>Linters</a:t>
+            </a:r>
+          </a:p>
+          <a:p>
+            <a:r>
+              <a:rPr lang="en-US" dirty="0" smtClean="0"/>
+              <a:t>Critical </a:t>
+            </a:r>
+            <a:r>
+              <a:rPr lang="en-US" dirty="0" err="1" smtClean="0"/>
+              <a:t>css</a:t>
+            </a:r>
+            <a:endParaRPr lang="en-US" dirty="0" smtClean="0"/>
+          </a:p>
+          <a:p>
+            <a:endParaRPr lang="en-US" dirty="0"/>
+          </a:p>
+          <a:p>
+            <a:r>
+              <a:rPr lang="en-US" dirty="0" err="1" smtClean="0"/>
+              <a:t>css</a:t>
+            </a:r>
+            <a:r>
+              <a:rPr lang="en-US" dirty="0" smtClean="0"/>
+              <a:t>-modules</a:t>
+            </a:r>
+          </a:p>
+          <a:p>
+            <a:endParaRPr lang="en-US" dirty="0"/>
+          </a:p>
+          <a:p>
+            <a:r>
+              <a:rPr lang="en-US" dirty="0" smtClean="0"/>
+              <a:t>Sprites</a:t>
+            </a:r>
+          </a:p>
+          <a:p>
+            <a:r>
+              <a:rPr lang="en-US" dirty="0" err="1" smtClean="0"/>
+              <a:t>Inlining</a:t>
+            </a:r>
+            <a:r>
+              <a:rPr lang="en-US" dirty="0" smtClean="0"/>
+              <a:t> - </a:t>
+            </a:r>
+            <a:r>
+              <a:rPr lang="en-US" dirty="0" err="1" smtClean="0"/>
+              <a:t>postcss-url</a:t>
+            </a:r>
+            <a:endParaRPr lang="en-US" dirty="0"/>
+          </a:p>
+          <a:p>
+            <a:endParaRPr lang="en-US" dirty="0"/>
+          </a:p>
+        </p:txBody>
+      </p:sp>
+    </p:spTree>
+    <p:extLst>
+      <p:ext uri="{BB962C8B-B14F-4D97-AF65-F5344CB8AC3E}">
+        <p14:creationId xmlns:p14="http://schemas.microsoft.com/office/powerpoint/2010/main" val="396567701"/>
+      </p:ext>
+    </p:extLst>
+  </p:cSld>
+  <p:clrMapOvr>
+    <a:masterClrMapping/>
+  </p:clrMapOvr>
+</p:sld>
+</file>
+
+<file path=ppt/slides/slide5.xml><?xml version="1.0" encoding="utf-8"?>
+<p:sld xmlns:a="http://schemas.openxmlformats.org/drawingml/2006/main" xmlns:r="http://schemas.openxmlformats.org/officeDocument/2006/relationships" xmlns:p="http://schemas.openxmlformats.org/presentationml/2006/main">
+  <p:cSld>
+    <p:spTree>
+      <p:nvGrpSpPr>
+        <p:cNvPr id="1" name=""/>
+        <p:cNvGrpSpPr/>
+        <p:nvPr/>
+      </p:nvGrpSpPr>
+      <p:grpSpPr>
+        <a:xfrm>
+          <a:off x="0" y="0"/>
+          <a:ext cx="0" cy="0"/>
+          <a:chOff x="0" y="0"/>
+          <a:chExt cx="0" cy="0"/>
+        </a:xfrm>
+      </p:grpSpPr>
+      <p:sp>
+        <p:nvSpPr>
+          <p:cNvPr id="2" name="Rectangle 1"/>
+          <p:cNvSpPr/>
+          <p:nvPr/>
+        </p:nvSpPr>
+        <p:spPr>
+          <a:xfrm>
+            <a:off x="1054024" y="732953"/>
+            <a:ext cx="6106629" cy="2308324"/>
+          </a:xfrm>
+          <a:prstGeom prst="rect">
+            <a:avLst/>
+          </a:prstGeom>
+        </p:spPr>
+        <p:txBody>
+          <a:bodyPr wrap="square">
+            <a:spAutoFit/>
+          </a:bodyPr>
+          <a:lstStyle/>
+          <a:p>
+            <a:r>
+              <a:rPr lang="en-US" dirty="0">
+                <a:hlinkClick r:id="rId2"/>
+              </a:rPr>
+              <a:t>http://slides.com/ai/postcss-intro</a:t>
+            </a:r>
+            <a:r>
+              <a:rPr lang="en-US" dirty="0" smtClean="0">
+                <a:hlinkClick r:id="rId2"/>
+              </a:rPr>
+              <a:t>#/</a:t>
+            </a:r>
+            <a:endParaRPr lang="en-US" dirty="0" smtClean="0"/>
+          </a:p>
+          <a:p>
+            <a:endParaRPr lang="en-US" dirty="0"/>
+          </a:p>
+          <a:p>
+            <a:r>
+              <a:rPr lang="en-US" dirty="0">
+                <a:hlinkClick r:id="rId3"/>
+              </a:rPr>
+              <a:t>http://webdesign.tutsplus.com/series/postcss-deep-dive--</a:t>
+            </a:r>
+            <a:r>
+              <a:rPr lang="en-US" dirty="0" smtClean="0">
+                <a:hlinkClick r:id="rId3"/>
+              </a:rPr>
+              <a:t>cms-889</a:t>
+            </a:r>
+            <a:endParaRPr lang="en-US" dirty="0" smtClean="0"/>
+          </a:p>
+          <a:p>
+            <a:r>
+              <a:rPr lang="en-US" dirty="0">
+                <a:hlinkClick r:id="rId4"/>
+              </a:rPr>
+              <a:t>https://</a:t>
+            </a:r>
+            <a:r>
+              <a:rPr lang="en-US" dirty="0" smtClean="0">
+                <a:hlinkClick r:id="rId4"/>
+              </a:rPr>
+              <a:t>www.youtube.com/playlist?list=PLLnpHn493BHFvjZzyYrQP0RTsG-Al7j9m</a:t>
+            </a:r>
+            <a:endParaRPr lang="en-US" dirty="0" smtClean="0"/>
+          </a:p>
+          <a:p>
+            <a:endParaRPr lang="en-US" dirty="0"/>
+          </a:p>
+          <a:p>
+            <a:endParaRPr lang="en-US" dirty="0"/>
+          </a:p>
+        </p:txBody>
+      </p:sp>
+    </p:spTree>
+    <p:extLst>
+      <p:ext uri="{BB962C8B-B14F-4D97-AF65-F5344CB8AC3E}">
+        <p14:creationId xmlns:p14="http://schemas.microsoft.com/office/powerpoint/2010/main" val="3686807784"/>
       </p:ext>
     </p:extLst>
   </p:cSld>

--- a/Presentation1.pptx
+++ b/Presentation1.pptx
@@ -247,7 +247,7 @@
           <a:p>
             <a:fld id="{AFA64D9E-78D9-4BC2-BA89-A74EF8F6D36E}" type="datetimeFigureOut">
               <a:rPr lang="en-US" smtClean="0"/>
-              <a:t>4/20/2016</a:t>
+              <a:t>4/21/2016</a:t>
             </a:fld>
             <a:endParaRPr lang="en-US"/>
           </a:p>
@@ -417,7 +417,7 @@
           <a:p>
             <a:fld id="{AFA64D9E-78D9-4BC2-BA89-A74EF8F6D36E}" type="datetimeFigureOut">
               <a:rPr lang="en-US" smtClean="0"/>
-              <a:t>4/20/2016</a:t>
+              <a:t>4/21/2016</a:t>
             </a:fld>
             <a:endParaRPr lang="en-US"/>
           </a:p>
@@ -597,7 +597,7 @@
           <a:p>
             <a:fld id="{AFA64D9E-78D9-4BC2-BA89-A74EF8F6D36E}" type="datetimeFigureOut">
               <a:rPr lang="en-US" smtClean="0"/>
-              <a:t>4/20/2016</a:t>
+              <a:t>4/21/2016</a:t>
             </a:fld>
             <a:endParaRPr lang="en-US"/>
           </a:p>
@@ -767,7 +767,7 @@
           <a:p>
             <a:fld id="{AFA64D9E-78D9-4BC2-BA89-A74EF8F6D36E}" type="datetimeFigureOut">
               <a:rPr lang="en-US" smtClean="0"/>
-              <a:t>4/20/2016</a:t>
+              <a:t>4/21/2016</a:t>
             </a:fld>
             <a:endParaRPr lang="en-US"/>
           </a:p>
@@ -1013,7 +1013,7 @@
           <a:p>
             <a:fld id="{AFA64D9E-78D9-4BC2-BA89-A74EF8F6D36E}" type="datetimeFigureOut">
               <a:rPr lang="en-US" smtClean="0"/>
-              <a:t>4/20/2016</a:t>
+              <a:t>4/21/2016</a:t>
             </a:fld>
             <a:endParaRPr lang="en-US"/>
           </a:p>
@@ -1245,7 +1245,7 @@
           <a:p>
             <a:fld id="{AFA64D9E-78D9-4BC2-BA89-A74EF8F6D36E}" type="datetimeFigureOut">
               <a:rPr lang="en-US" smtClean="0"/>
-              <a:t>4/20/2016</a:t>
+              <a:t>4/21/2016</a:t>
             </a:fld>
             <a:endParaRPr lang="en-US"/>
           </a:p>
@@ -1612,7 +1612,7 @@
           <a:p>
             <a:fld id="{AFA64D9E-78D9-4BC2-BA89-A74EF8F6D36E}" type="datetimeFigureOut">
               <a:rPr lang="en-US" smtClean="0"/>
-              <a:t>4/20/2016</a:t>
+              <a:t>4/21/2016</a:t>
             </a:fld>
             <a:endParaRPr lang="en-US"/>
           </a:p>
@@ -1730,7 +1730,7 @@
           <a:p>
             <a:fld id="{AFA64D9E-78D9-4BC2-BA89-A74EF8F6D36E}" type="datetimeFigureOut">
               <a:rPr lang="en-US" smtClean="0"/>
-              <a:t>4/20/2016</a:t>
+              <a:t>4/21/2016</a:t>
             </a:fld>
             <a:endParaRPr lang="en-US"/>
           </a:p>
@@ -1825,7 +1825,7 @@
           <a:p>
             <a:fld id="{AFA64D9E-78D9-4BC2-BA89-A74EF8F6D36E}" type="datetimeFigureOut">
               <a:rPr lang="en-US" smtClean="0"/>
-              <a:t>4/20/2016</a:t>
+              <a:t>4/21/2016</a:t>
             </a:fld>
             <a:endParaRPr lang="en-US"/>
           </a:p>
@@ -2102,7 +2102,7 @@
           <a:p>
             <a:fld id="{AFA64D9E-78D9-4BC2-BA89-A74EF8F6D36E}" type="datetimeFigureOut">
               <a:rPr lang="en-US" smtClean="0"/>
-              <a:t>4/20/2016</a:t>
+              <a:t>4/21/2016</a:t>
             </a:fld>
             <a:endParaRPr lang="en-US"/>
           </a:p>
@@ -2355,7 +2355,7 @@
           <a:p>
             <a:fld id="{AFA64D9E-78D9-4BC2-BA89-A74EF8F6D36E}" type="datetimeFigureOut">
               <a:rPr lang="en-US" smtClean="0"/>
-              <a:t>4/20/2016</a:t>
+              <a:t>4/21/2016</a:t>
             </a:fld>
             <a:endParaRPr lang="en-US"/>
           </a:p>
@@ -2568,7 +2568,7 @@
           <a:p>
             <a:fld id="{AFA64D9E-78D9-4BC2-BA89-A74EF8F6D36E}" type="datetimeFigureOut">
               <a:rPr lang="en-US" smtClean="0"/>
-              <a:t>4/20/2016</a:t>
+              <a:t>4/21/2016</a:t>
             </a:fld>
             <a:endParaRPr lang="en-US"/>
           </a:p>
@@ -3241,8 +3241,8 @@
         </p:nvSpPr>
         <p:spPr>
           <a:xfrm>
-            <a:off x="838200" y="1581150"/>
-            <a:ext cx="10020300" cy="2308324"/>
+            <a:off x="1095778" y="1375088"/>
+            <a:ext cx="10020300" cy="2585323"/>
           </a:xfrm>
           <a:prstGeom prst="rect">
             <a:avLst/>
@@ -3283,6 +3283,13 @@
               <a:rPr lang="en-US" dirty="0" smtClean="0"/>
               <a:t>-modules</a:t>
             </a:r>
+          </a:p>
+          <a:p>
+            <a:r>
+              <a:rPr lang="en-US"/>
+              <a:t>https://blog.gospodarets.com/css_apply_rule</a:t>
+            </a:r>
+            <a:endParaRPr lang="en-US" dirty="0" smtClean="0"/>
           </a:p>
           <a:p>
             <a:endParaRPr lang="en-US" dirty="0"/>

--- a/Presentation1.pptx
+++ b/Presentation1.pptx
@@ -247,7 +247,7 @@
           <a:p>
             <a:fld id="{AFA64D9E-78D9-4BC2-BA89-A74EF8F6D36E}" type="datetimeFigureOut">
               <a:rPr lang="en-US" smtClean="0"/>
-              <a:t>4/21/2016</a:t>
+              <a:t>4/22/2016</a:t>
             </a:fld>
             <a:endParaRPr lang="en-US"/>
           </a:p>
@@ -417,7 +417,7 @@
           <a:p>
             <a:fld id="{AFA64D9E-78D9-4BC2-BA89-A74EF8F6D36E}" type="datetimeFigureOut">
               <a:rPr lang="en-US" smtClean="0"/>
-              <a:t>4/21/2016</a:t>
+              <a:t>4/22/2016</a:t>
             </a:fld>
             <a:endParaRPr lang="en-US"/>
           </a:p>
@@ -597,7 +597,7 @@
           <a:p>
             <a:fld id="{AFA64D9E-78D9-4BC2-BA89-A74EF8F6D36E}" type="datetimeFigureOut">
               <a:rPr lang="en-US" smtClean="0"/>
-              <a:t>4/21/2016</a:t>
+              <a:t>4/22/2016</a:t>
             </a:fld>
             <a:endParaRPr lang="en-US"/>
           </a:p>
@@ -767,7 +767,7 @@
           <a:p>
             <a:fld id="{AFA64D9E-78D9-4BC2-BA89-A74EF8F6D36E}" type="datetimeFigureOut">
               <a:rPr lang="en-US" smtClean="0"/>
-              <a:t>4/21/2016</a:t>
+              <a:t>4/22/2016</a:t>
             </a:fld>
             <a:endParaRPr lang="en-US"/>
           </a:p>
@@ -1013,7 +1013,7 @@
           <a:p>
             <a:fld id="{AFA64D9E-78D9-4BC2-BA89-A74EF8F6D36E}" type="datetimeFigureOut">
               <a:rPr lang="en-US" smtClean="0"/>
-              <a:t>4/21/2016</a:t>
+              <a:t>4/22/2016</a:t>
             </a:fld>
             <a:endParaRPr lang="en-US"/>
           </a:p>
@@ -1245,7 +1245,7 @@
           <a:p>
             <a:fld id="{AFA64D9E-78D9-4BC2-BA89-A74EF8F6D36E}" type="datetimeFigureOut">
               <a:rPr lang="en-US" smtClean="0"/>
-              <a:t>4/21/2016</a:t>
+              <a:t>4/22/2016</a:t>
             </a:fld>
             <a:endParaRPr lang="en-US"/>
           </a:p>
@@ -1612,7 +1612,7 @@
           <a:p>
             <a:fld id="{AFA64D9E-78D9-4BC2-BA89-A74EF8F6D36E}" type="datetimeFigureOut">
               <a:rPr lang="en-US" smtClean="0"/>
-              <a:t>4/21/2016</a:t>
+              <a:t>4/22/2016</a:t>
             </a:fld>
             <a:endParaRPr lang="en-US"/>
           </a:p>
@@ -1730,7 +1730,7 @@
           <a:p>
             <a:fld id="{AFA64D9E-78D9-4BC2-BA89-A74EF8F6D36E}" type="datetimeFigureOut">
               <a:rPr lang="en-US" smtClean="0"/>
-              <a:t>4/21/2016</a:t>
+              <a:t>4/22/2016</a:t>
             </a:fld>
             <a:endParaRPr lang="en-US"/>
           </a:p>
@@ -1825,7 +1825,7 @@
           <a:p>
             <a:fld id="{AFA64D9E-78D9-4BC2-BA89-A74EF8F6D36E}" type="datetimeFigureOut">
               <a:rPr lang="en-US" smtClean="0"/>
-              <a:t>4/21/2016</a:t>
+              <a:t>4/22/2016</a:t>
             </a:fld>
             <a:endParaRPr lang="en-US"/>
           </a:p>
@@ -2102,7 +2102,7 @@
           <a:p>
             <a:fld id="{AFA64D9E-78D9-4BC2-BA89-A74EF8F6D36E}" type="datetimeFigureOut">
               <a:rPr lang="en-US" smtClean="0"/>
-              <a:t>4/21/2016</a:t>
+              <a:t>4/22/2016</a:t>
             </a:fld>
             <a:endParaRPr lang="en-US"/>
           </a:p>
@@ -2355,7 +2355,7 @@
           <a:p>
             <a:fld id="{AFA64D9E-78D9-4BC2-BA89-A74EF8F6D36E}" type="datetimeFigureOut">
               <a:rPr lang="en-US" smtClean="0"/>
-              <a:t>4/21/2016</a:t>
+              <a:t>4/22/2016</a:t>
             </a:fld>
             <a:endParaRPr lang="en-US"/>
           </a:p>
@@ -2568,7 +2568,7 @@
           <a:p>
             <a:fld id="{AFA64D9E-78D9-4BC2-BA89-A74EF8F6D36E}" type="datetimeFigureOut">
               <a:rPr lang="en-US" smtClean="0"/>
-              <a:t>4/21/2016</a:t>
+              <a:t>4/22/2016</a:t>
             </a:fld>
             <a:endParaRPr lang="en-US"/>
           </a:p>
@@ -3359,7 +3359,7 @@
         <p:spPr>
           <a:xfrm>
             <a:off x="1054024" y="732953"/>
-            <a:ext cx="6106629" cy="2308324"/>
+            <a:ext cx="6106629" cy="3139321"/>
           </a:xfrm>
           <a:prstGeom prst="rect">
             <a:avLst/>
@@ -3375,7 +3375,29 @@
               <a:rPr lang="en-US" dirty="0">
                 <a:hlinkClick r:id="rId2"/>
               </a:rPr>
-              <a:t>http://slides.com/ai/postcss-intro</a:t>
+              <a:t>http://davidtheclark.com/its-time-for-everyone-to-learn-about-postcss/</a:t>
+            </a:r>
+            <a:endParaRPr lang="en-US" dirty="0" smtClean="0">
+              <a:hlinkClick r:id="rId2"/>
+            </a:endParaRPr>
+          </a:p>
+          <a:p>
+            <a:endParaRPr lang="en-US" dirty="0">
+              <a:hlinkClick r:id="rId2"/>
+            </a:endParaRPr>
+          </a:p>
+          <a:p>
+            <a:r>
+              <a:rPr lang="en-US" dirty="0" smtClean="0">
+                <a:hlinkClick r:id="rId2"/>
+              </a:rPr>
+              <a:t>http</a:t>
+            </a:r>
+            <a:r>
+              <a:rPr lang="en-US" dirty="0">
+                <a:hlinkClick r:id="rId2"/>
+              </a:rPr>
+              <a:t>://slides.com/ai/postcss-intro</a:t>
             </a:r>
             <a:r>
               <a:rPr lang="en-US" dirty="0" smtClean="0">
